--- a/01. Introduction/Presentation/Introduction.pptx
+++ b/01. Introduction/Presentation/Introduction.pptx
@@ -5,7 +5,7 @@
     <p:sldMasterId id="2147483648" r:id="rId1"/>
   </p:sldMasterIdLst>
   <p:notesMasterIdLst>
-    <p:notesMasterId r:id="rId14"/>
+    <p:notesMasterId r:id="rId13"/>
   </p:notesMasterIdLst>
   <p:sldIdLst>
     <p:sldId id="371" r:id="rId2"/>
@@ -17,9 +17,8 @@
     <p:sldId id="374" r:id="rId8"/>
     <p:sldId id="320" r:id="rId9"/>
     <p:sldId id="375" r:id="rId10"/>
-    <p:sldId id="322" r:id="rId11"/>
-    <p:sldId id="394" r:id="rId12"/>
-    <p:sldId id="378" r:id="rId13"/>
+    <p:sldId id="394" r:id="rId11"/>
+    <p:sldId id="378" r:id="rId12"/>
   </p:sldIdLst>
   <p:sldSz cx="12192000" cy="6858000"/>
   <p:notesSz cx="6858000" cy="9144000"/>
@@ -3898,177 +3897,6 @@
 </file>
 
 <file path=ppt/slides/slide10.xml><?xml version="1.0" encoding="utf-8"?>
-<p:sld xmlns:a="http://schemas.openxmlformats.org/drawingml/2006/main" xmlns:r="http://schemas.openxmlformats.org/officeDocument/2006/relationships" xmlns:p="http://schemas.openxmlformats.org/presentationml/2006/main" showMasterPhAnim="0">
-  <p:cSld>
-    <p:spTree>
-      <p:nvGrpSpPr>
-        <p:cNvPr id="1" name=""/>
-        <p:cNvGrpSpPr/>
-        <p:nvPr/>
-      </p:nvGrpSpPr>
-      <p:grpSpPr>
-        <a:xfrm>
-          <a:off x="0" y="0"/>
-          <a:ext cx="0" cy="0"/>
-          <a:chOff x="0" y="0"/>
-          <a:chExt cx="0" cy="0"/>
-        </a:xfrm>
-      </p:grpSpPr>
-      <p:sp>
-        <p:nvSpPr>
-          <p:cNvPr id="116738" name="Rectangle 2">
-            <a:extLst>
-              <a:ext uri="{FF2B5EF4-FFF2-40B4-BE49-F238E27FC236}">
-                <a16:creationId xmlns:a16="http://schemas.microsoft.com/office/drawing/2014/main" id="{60B9FC03-244B-05D4-1798-EEB07CB80B06}"/>
-              </a:ext>
-            </a:extLst>
-          </p:cNvPr>
-          <p:cNvSpPr>
-            <a:spLocks noGrp="1" noRot="1" noChangeArrowheads="1"/>
-          </p:cNvSpPr>
-          <p:nvPr>
-            <p:ph type="title"/>
-          </p:nvPr>
-        </p:nvSpPr>
-        <p:spPr/>
-        <p:txBody>
-          <a:bodyPr/>
-          <a:lstStyle/>
-          <a:p>
-            <a:pPr eaLnBrk="1" hangingPunct="1"/>
-            <a:r>
-              <a:rPr lang="en-US" altLang="en-US"/>
-              <a:t>Introduction to Java</a:t>
-            </a:r>
-          </a:p>
-        </p:txBody>
-      </p:sp>
-      <p:sp>
-        <p:nvSpPr>
-          <p:cNvPr id="116739" name="Rectangle 3">
-            <a:extLst>
-              <a:ext uri="{FF2B5EF4-FFF2-40B4-BE49-F238E27FC236}">
-                <a16:creationId xmlns:a16="http://schemas.microsoft.com/office/drawing/2014/main" id="{B4EBC756-92DC-06D6-C088-68ED584CE1D2}"/>
-              </a:ext>
-            </a:extLst>
-          </p:cNvPr>
-          <p:cNvSpPr>
-            <a:spLocks noGrp="1" noChangeArrowheads="1"/>
-          </p:cNvSpPr>
-          <p:nvPr>
-            <p:ph idx="1"/>
-          </p:nvPr>
-        </p:nvSpPr>
-        <p:spPr/>
-        <p:txBody>
-          <a:bodyPr vert="horz" lIns="45720" tIns="45720" rIns="45720" bIns="45720" rtlCol="0">
-            <a:normAutofit/>
-          </a:bodyPr>
-          <a:lstStyle/>
-          <a:p>
-            <a:pPr>
-              <a:buFont typeface="Courier New" panose="02070309020205020404" pitchFamily="49" charset="0"/>
-              <a:buChar char="o"/>
-            </a:pPr>
-            <a:r>
-              <a:rPr lang="en-US" dirty="0">
-                <a:latin typeface="Calibri" panose="020F0502020204030204" pitchFamily="34" charset="0"/>
-              </a:rPr>
-              <a:t> Object oriented language</a:t>
-            </a:r>
-          </a:p>
-          <a:p>
-            <a:pPr>
-              <a:buFont typeface="Courier New" panose="02070309020205020404" pitchFamily="49" charset="0"/>
-              <a:buChar char="o"/>
-            </a:pPr>
-            <a:r>
-              <a:rPr lang="en-US" dirty="0">
-                <a:latin typeface="Calibri" panose="020F0502020204030204" pitchFamily="34" charset="0"/>
-              </a:rPr>
-              <a:t> Portable</a:t>
-            </a:r>
-          </a:p>
-          <a:p>
-            <a:pPr>
-              <a:buFont typeface="Courier New" panose="02070309020205020404" pitchFamily="49" charset="0"/>
-              <a:buChar char="o"/>
-            </a:pPr>
-            <a:r>
-              <a:rPr lang="en-US" dirty="0">
-                <a:latin typeface="Calibri" panose="020F0502020204030204" pitchFamily="34" charset="0"/>
-              </a:rPr>
-              <a:t> Distributed</a:t>
-            </a:r>
-          </a:p>
-          <a:p>
-            <a:pPr>
-              <a:buFont typeface="Courier New" panose="02070309020205020404" pitchFamily="49" charset="0"/>
-              <a:buChar char="o"/>
-            </a:pPr>
-            <a:r>
-              <a:rPr lang="en-US" dirty="0">
-                <a:latin typeface="Calibri" panose="020F0502020204030204" pitchFamily="34" charset="0"/>
-              </a:rPr>
-              <a:t> Secure</a:t>
-            </a:r>
-          </a:p>
-          <a:p>
-            <a:pPr>
-              <a:buFont typeface="Courier New" panose="02070309020205020404" pitchFamily="49" charset="0"/>
-              <a:buChar char="o"/>
-            </a:pPr>
-            <a:r>
-              <a:rPr lang="en-US" dirty="0">
-                <a:latin typeface="Calibri" panose="020F0502020204030204" pitchFamily="34" charset="0"/>
-              </a:rPr>
-              <a:t> Scalable</a:t>
-            </a:r>
-          </a:p>
-          <a:p>
-            <a:pPr>
-              <a:buFont typeface="Courier New" panose="02070309020205020404" pitchFamily="49" charset="0"/>
-              <a:buChar char="o"/>
-            </a:pPr>
-            <a:r>
-              <a:rPr lang="en-US" dirty="0">
-                <a:latin typeface="Calibri" panose="020F0502020204030204" pitchFamily="34" charset="0"/>
-              </a:rPr>
-              <a:t> Robust</a:t>
-            </a:r>
-          </a:p>
-          <a:p>
-            <a:pPr>
-              <a:buFont typeface="Courier New" panose="02070309020205020404" pitchFamily="49" charset="0"/>
-              <a:buChar char="o"/>
-            </a:pPr>
-            <a:r>
-              <a:rPr lang="en-US" dirty="0">
-                <a:latin typeface="Calibri" panose="020F0502020204030204" pitchFamily="34" charset="0"/>
-              </a:rPr>
-              <a:t> Multithreaded</a:t>
-            </a:r>
-          </a:p>
-          <a:p>
-            <a:pPr>
-              <a:buFont typeface="Courier New" panose="02070309020205020404" pitchFamily="49" charset="0"/>
-              <a:buChar char="o"/>
-            </a:pPr>
-            <a:endParaRPr lang="en-US" dirty="0">
-              <a:latin typeface="Calibri" panose="020F0502020204030204" pitchFamily="34" charset="0"/>
-            </a:endParaRPr>
-          </a:p>
-        </p:txBody>
-      </p:sp>
-    </p:spTree>
-  </p:cSld>
-  <p:clrMapOvr>
-    <a:masterClrMapping/>
-  </p:clrMapOvr>
-</p:sld>
-</file>
-
-<file path=ppt/slides/slide11.xml><?xml version="1.0" encoding="utf-8"?>
 <p:sld xmlns:a="http://schemas.openxmlformats.org/drawingml/2006/main" xmlns:r="http://schemas.openxmlformats.org/officeDocument/2006/relationships" xmlns:p="http://schemas.openxmlformats.org/presentationml/2006/main">
   <p:cSld>
     <p:spTree>
@@ -4134,7 +3962,7 @@
         </p:nvSpPr>
         <p:spPr>
           <a:xfrm>
-            <a:off x="2284075" y="2096864"/>
+            <a:off x="1544053" y="2133600"/>
             <a:ext cx="7290055" cy="4023360"/>
           </a:xfrm>
         </p:spPr>
@@ -4256,7 +4084,7 @@
         </p:blipFill>
         <p:spPr>
           <a:xfrm>
-            <a:off x="6735661" y="211896"/>
+            <a:off x="7441514" y="211896"/>
             <a:ext cx="3912286" cy="1921704"/>
           </a:xfrm>
           <a:prstGeom prst="rect">
@@ -4277,7 +4105,7 @@
 </p:sld>
 </file>
 
-<file path=ppt/slides/slide12.xml><?xml version="1.0" encoding="utf-8"?>
+<file path=ppt/slides/slide11.xml><?xml version="1.0" encoding="utf-8"?>
 <p:sld xmlns:a="http://schemas.openxmlformats.org/drawingml/2006/main" xmlns:r="http://schemas.openxmlformats.org/officeDocument/2006/relationships" xmlns:p="http://schemas.openxmlformats.org/presentationml/2006/main">
   <p:cSld>
     <p:spTree>
